--- a/Lections/First/C++Лекция 1 О языке C++, основные базовые конструкции.pptx
+++ b/Lections/First/C++Лекция 1 О языке C++, основные базовые конструкции.pptx
@@ -3910,6 +3910,13 @@
   <p:clrMapOvr>
     <a:masterClrMapping/>
   </p:clrMapOvr>
+  <p:timing>
+    <p:tnLst>
+      <p:par>
+        <p:cTn id="1" dur="indefinite" restart="never" nodeType="tmRoot"/>
+      </p:par>
+    </p:tnLst>
+  </p:timing>
 </p:sld>
 </file>
 
@@ -4065,6 +4072,13 @@
   <p:clrMapOvr>
     <a:masterClrMapping/>
   </p:clrMapOvr>
+  <p:timing>
+    <p:tnLst>
+      <p:par>
+        <p:cTn id="1" dur="indefinite" restart="never" nodeType="tmRoot"/>
+      </p:par>
+    </p:tnLst>
+  </p:timing>
 </p:sld>
 </file>
 
@@ -4273,6 +4287,13 @@
   <p:clrMapOvr>
     <a:masterClrMapping/>
   </p:clrMapOvr>
+  <p:timing>
+    <p:tnLst>
+      <p:par>
+        <p:cTn id="1" dur="indefinite" restart="never" nodeType="tmRoot"/>
+      </p:par>
+    </p:tnLst>
+  </p:timing>
 </p:sld>
 </file>
 
@@ -4494,6 +4515,13 @@
   <p:clrMapOvr>
     <a:masterClrMapping/>
   </p:clrMapOvr>
+  <p:timing>
+    <p:tnLst>
+      <p:par>
+        <p:cTn id="1" dur="indefinite" restart="never" nodeType="tmRoot"/>
+      </p:par>
+    </p:tnLst>
+  </p:timing>
 </p:sld>
 </file>
 
@@ -4786,6 +4814,13 @@
   <p:clrMapOvr>
     <a:masterClrMapping/>
   </p:clrMapOvr>
+  <p:timing>
+    <p:tnLst>
+      <p:par>
+        <p:cTn id="1" dur="indefinite" restart="never" nodeType="tmRoot"/>
+      </p:par>
+    </p:tnLst>
+  </p:timing>
 </p:sld>
 </file>
 
@@ -5134,6 +5169,13 @@
   <p:clrMapOvr>
     <a:masterClrMapping/>
   </p:clrMapOvr>
+  <p:timing>
+    <p:tnLst>
+      <p:par>
+        <p:cTn id="1" dur="indefinite" restart="never" nodeType="tmRoot"/>
+      </p:par>
+    </p:tnLst>
+  </p:timing>
 </p:sld>
 </file>
 
@@ -5362,6 +5404,13 @@
   <p:clrMapOvr>
     <a:masterClrMapping/>
   </p:clrMapOvr>
+  <p:timing>
+    <p:tnLst>
+      <p:par>
+        <p:cTn id="1" dur="indefinite" restart="never" nodeType="tmRoot"/>
+      </p:par>
+    </p:tnLst>
+  </p:timing>
 </p:sld>
 </file>
 
@@ -5433,6 +5482,13 @@
   <p:clrMapOvr>
     <a:masterClrMapping/>
   </p:clrMapOvr>
+  <p:timing>
+    <p:tnLst>
+      <p:par>
+        <p:cTn id="1" dur="indefinite" restart="never" nodeType="tmRoot"/>
+      </p:par>
+    </p:tnLst>
+  </p:timing>
 </p:sld>
 </file>
 
@@ -5504,6 +5560,13 @@
   <p:clrMapOvr>
     <a:masterClrMapping/>
   </p:clrMapOvr>
+  <p:timing>
+    <p:tnLst>
+      <p:par>
+        <p:cTn id="1" dur="indefinite" restart="never" nodeType="tmRoot"/>
+      </p:par>
+    </p:tnLst>
+  </p:timing>
 </p:sld>
 </file>
 
@@ -7116,6 +7179,13 @@
   <p:clrMapOvr>
     <a:masterClrMapping/>
   </p:clrMapOvr>
+  <p:timing>
+    <p:tnLst>
+      <p:par>
+        <p:cTn id="1" dur="indefinite" restart="never" nodeType="tmRoot"/>
+      </p:par>
+    </p:tnLst>
+  </p:timing>
 </p:sld>
 </file>
 
@@ -7572,6 +7642,13 @@
   <p:clrMapOvr>
     <a:masterClrMapping/>
   </p:clrMapOvr>
+  <p:timing>
+    <p:tnLst>
+      <p:par>
+        <p:cTn id="1" dur="indefinite" restart="never" nodeType="tmRoot"/>
+      </p:par>
+    </p:tnLst>
+  </p:timing>
 </p:sld>
 </file>
 
@@ -7781,6 +7858,13 @@
   <p:clrMapOvr>
     <a:masterClrMapping/>
   </p:clrMapOvr>
+  <p:timing>
+    <p:tnLst>
+      <p:par>
+        <p:cTn id="1" dur="indefinite" restart="never" nodeType="tmRoot"/>
+      </p:par>
+    </p:tnLst>
+  </p:timing>
 </p:sld>
 </file>
 
@@ -8070,6 +8154,13 @@
   <p:clrMapOvr>
     <a:masterClrMapping/>
   </p:clrMapOvr>
+  <p:timing>
+    <p:tnLst>
+      <p:par>
+        <p:cTn id="1" dur="indefinite" restart="never" nodeType="tmRoot"/>
+      </p:par>
+    </p:tnLst>
+  </p:timing>
 </p:sld>
 </file>
 
@@ -8662,6 +8753,13 @@
   <p:clrMapOvr>
     <a:masterClrMapping/>
   </p:clrMapOvr>
+  <p:timing>
+    <p:tnLst>
+      <p:par>
+        <p:cTn id="1" dur="indefinite" restart="never" nodeType="tmRoot"/>
+      </p:par>
+    </p:tnLst>
+  </p:timing>
 </p:sld>
 </file>
 
